--- a/materials/slides/6.pptx
+++ b/materials/slides/6.pptx
@@ -3158,14 +3158,7 @@
                 <a:latin typeface="楷体" panose="02010609060101010101" pitchFamily="49" charset="-122"/>
                 <a:ea typeface="楷体" panose="02010609060101010101" pitchFamily="49" charset="-122"/>
               </a:rPr>
-              <a:t>3, 4a</a:t>
-            </a:r>
-            <a:r>
-              <a:rPr lang="en-US" altLang="zh-CN" sz="2000" dirty="0">
-                <a:latin typeface="楷体" panose="02010609060101010101" pitchFamily="49" charset="-122"/>
-                <a:ea typeface="楷体" panose="02010609060101010101" pitchFamily="49" charset="-122"/>
-              </a:rPr>
-              <a:t>, 5,end</a:t>
+              <a:t>3, 4a, 5,end</a:t>
             </a:r>
             <a:endParaRPr lang="zh-CN" altLang="zh-CN" sz="2000" dirty="0">
               <a:latin typeface="楷体" panose="02010609060101010101" pitchFamily="49" charset="-122"/>
@@ -3193,14 +3186,7 @@
                 <a:latin typeface="楷体" panose="02010609060101010101" pitchFamily="49" charset="-122"/>
                 <a:ea typeface="楷体" panose="02010609060101010101" pitchFamily="49" charset="-122"/>
               </a:rPr>
-              <a:t>3, </a:t>
-            </a:r>
-            <a:r>
-              <a:rPr lang="en-US" altLang="zh-CN" sz="2000" dirty="0">
-                <a:latin typeface="楷体" panose="02010609060101010101" pitchFamily="49" charset="-122"/>
-                <a:ea typeface="楷体" panose="02010609060101010101" pitchFamily="49" charset="-122"/>
-              </a:rPr>
-              <a:t>4a,4b,5,end</a:t>
+              <a:t>3, 4a,4b,5,end</a:t>
             </a:r>
             <a:endParaRPr lang="zh-CN" altLang="zh-CN" sz="2000" dirty="0">
               <a:latin typeface="楷体" panose="02010609060101010101" pitchFamily="49" charset="-122"/>
@@ -3256,28 +3242,7 @@
                 <a:latin typeface="楷体" panose="02010609060101010101" pitchFamily="49" charset="-122"/>
                 <a:ea typeface="楷体" panose="02010609060101010101" pitchFamily="49" charset="-122"/>
               </a:rPr>
-              <a:t>3, </a:t>
-            </a:r>
-            <a:r>
-              <a:rPr lang="en-US" altLang="zh-CN" sz="2000" dirty="0">
-                <a:latin typeface="楷体" panose="02010609060101010101" pitchFamily="49" charset="-122"/>
-                <a:ea typeface="楷体" panose="02010609060101010101" pitchFamily="49" charset="-122"/>
-              </a:rPr>
-              <a:t>4a,4b,6</a:t>
-            </a:r>
-            <a:r>
-              <a:rPr lang="en-US" altLang="zh-CN" sz="2000" dirty="0">
-                <a:latin typeface="楷体" panose="02010609060101010101" pitchFamily="49" charset="-122"/>
-                <a:ea typeface="楷体" panose="02010609060101010101" pitchFamily="49" charset="-122"/>
-              </a:rPr>
-              <a:t>, </a:t>
-            </a:r>
-            <a:r>
-              <a:rPr lang="en-US" altLang="zh-CN" sz="2000" dirty="0">
-                <a:latin typeface="楷体" panose="02010609060101010101" pitchFamily="49" charset="-122"/>
-                <a:ea typeface="楷体" panose="02010609060101010101" pitchFamily="49" charset="-122"/>
-              </a:rPr>
-              <a:t>8,9,end</a:t>
+              <a:t>3, 4a,4b,6, 8,9,end</a:t>
             </a:r>
             <a:endParaRPr lang="zh-CN" altLang="zh-CN" sz="2000" dirty="0">
               <a:latin typeface="楷体" panose="02010609060101010101" pitchFamily="49" charset="-122"/>
@@ -3305,28 +3270,7 @@
                 <a:latin typeface="楷体" panose="02010609060101010101" pitchFamily="49" charset="-122"/>
                 <a:ea typeface="楷体" panose="02010609060101010101" pitchFamily="49" charset="-122"/>
               </a:rPr>
-              <a:t>3, </a:t>
-            </a:r>
-            <a:r>
-              <a:rPr lang="en-US" altLang="zh-CN" sz="2000" dirty="0">
-                <a:latin typeface="楷体" panose="02010609060101010101" pitchFamily="49" charset="-122"/>
-                <a:ea typeface="楷体" panose="02010609060101010101" pitchFamily="49" charset="-122"/>
-              </a:rPr>
-              <a:t>4a,4b,6</a:t>
-            </a:r>
-            <a:r>
-              <a:rPr lang="en-US" altLang="zh-CN" sz="2000" dirty="0">
-                <a:latin typeface="楷体" panose="02010609060101010101" pitchFamily="49" charset="-122"/>
-                <a:ea typeface="楷体" panose="02010609060101010101" pitchFamily="49" charset="-122"/>
-              </a:rPr>
-              <a:t>, </a:t>
-            </a:r>
-            <a:r>
-              <a:rPr lang="en-US" altLang="zh-CN" sz="2000" dirty="0">
-                <a:latin typeface="楷体" panose="02010609060101010101" pitchFamily="49" charset="-122"/>
-                <a:ea typeface="楷体" panose="02010609060101010101" pitchFamily="49" charset="-122"/>
-              </a:rPr>
-              <a:t>8,10,11,end</a:t>
+              <a:t>3, 4a,4b,6, 8,10,11,end</a:t>
             </a:r>
             <a:endParaRPr lang="zh-CN" altLang="zh-CN" sz="2000" dirty="0">
               <a:latin typeface="楷体" panose="02010609060101010101" pitchFamily="49" charset="-122"/>
@@ -3354,14 +3298,7 @@
                 <a:latin typeface="楷体" panose="02010609060101010101" pitchFamily="49" charset="-122"/>
                 <a:ea typeface="楷体" panose="02010609060101010101" pitchFamily="49" charset="-122"/>
               </a:rPr>
-              <a:t>3, 4a,4b,6, </a:t>
-            </a:r>
-            <a:r>
-              <a:rPr lang="en-US" altLang="zh-CN" sz="2000" dirty="0">
-                <a:latin typeface="楷体" panose="02010609060101010101" pitchFamily="49" charset="-122"/>
-                <a:ea typeface="楷体" panose="02010609060101010101" pitchFamily="49" charset="-122"/>
-              </a:rPr>
-              <a:t>8,10,12,13,end</a:t>
+              <a:t>3, 4a,4b,6, 8,10,12,13,end</a:t>
             </a:r>
             <a:endParaRPr lang="zh-CN" altLang="zh-CN" sz="2000" dirty="0">
               <a:latin typeface="楷体" panose="02010609060101010101" pitchFamily="49" charset="-122"/>
@@ -3627,17 +3564,7 @@
                           <a:latin typeface="楷体" panose="02010609060101010101" pitchFamily="49" charset="-122"/>
                           <a:ea typeface="楷体" panose="02010609060101010101" pitchFamily="49" charset="-122"/>
                         </a:rPr>
-                        <a:t>预期</a:t>
-                      </a:r>
-                      <a:r>
-                        <a:rPr lang="zh-CN" altLang="en-US" sz="2400" dirty="0" smtClean="0">
-                          <a:solidFill>
-                            <a:schemeClr val="tx1"/>
-                          </a:solidFill>
-                          <a:latin typeface="楷体" panose="02010609060101010101" pitchFamily="49" charset="-122"/>
-                          <a:ea typeface="楷体" panose="02010609060101010101" pitchFamily="49" charset="-122"/>
-                        </a:rPr>
-                        <a:t>输出</a:t>
+                        <a:t>预期输出</a:t>
                       </a:r>
                       <a:endParaRPr lang="zh-CN" altLang="en-US" sz="2400" dirty="0">
                         <a:solidFill>
@@ -6395,23 +6322,7 @@
                 <a:ea typeface="楷体" panose="02010609060101010101" pitchFamily="49" charset="-122"/>
                 <a:cs typeface="+mn-cs"/>
               </a:rPr>
-              <a:t>对</a:t>
-            </a:r>
-            <a:r>
-              <a:rPr lang="zh-CN" sz="2800" dirty="0">
-                <a:latin typeface="楷体" panose="02010609060101010101" pitchFamily="49" charset="-122"/>
-                <a:ea typeface="楷体" panose="02010609060101010101" pitchFamily="49" charset="-122"/>
-                <a:cs typeface="+mn-cs"/>
-              </a:rPr>
-              <a:t>路径的</a:t>
-            </a:r>
-            <a:r>
-              <a:rPr lang="zh-CN" sz="2800" dirty="0">
-                <a:latin typeface="楷体" panose="02010609060101010101" pitchFamily="49" charset="-122"/>
-                <a:ea typeface="楷体" panose="02010609060101010101" pitchFamily="49" charset="-122"/>
-                <a:cs typeface="+mn-cs"/>
-              </a:rPr>
-              <a:t>测试</a:t>
+              <a:t>对路径的测试</a:t>
             </a:r>
             <a:endParaRPr lang="en-US" sz="2800" dirty="0">
               <a:latin typeface="楷体" panose="02010609060101010101" pitchFamily="49" charset="-122"/>
@@ -6544,8 +6455,8 @@
         </p:blipFill>
         <p:spPr bwMode="auto">
           <a:xfrm>
-            <a:off x="5929314" y="285752"/>
-            <a:ext cx="2955925" cy="6010275"/>
+            <a:off x="5724128" y="620688"/>
+            <a:ext cx="2649542" cy="5387307"/>
           </a:xfrm>
           <a:prstGeom prst="rect">
             <a:avLst/>
@@ -7438,21 +7349,7 @@
                 <a:latin typeface="楷体" panose="02010609060101010101" pitchFamily="49" charset="-122"/>
                 <a:ea typeface="楷体" panose="02010609060101010101" pitchFamily="49" charset="-122"/>
               </a:rPr>
-              <a:t>当</a:t>
-            </a:r>
-            <a:r>
-              <a:rPr lang="zh-CN" dirty="0">
-                <a:latin typeface="楷体" panose="02010609060101010101" pitchFamily="49" charset="-122"/>
-                <a:ea typeface="楷体" panose="02010609060101010101" pitchFamily="49" charset="-122"/>
-              </a:rPr>
-              <a:t>人的</a:t>
-            </a:r>
-            <a:r>
-              <a:rPr lang="zh-CN" dirty="0">
-                <a:latin typeface="楷体" panose="02010609060101010101" pitchFamily="49" charset="-122"/>
-                <a:ea typeface="楷体" panose="02010609060101010101" pitchFamily="49" charset="-122"/>
-              </a:rPr>
-              <a:t>年龄达到</a:t>
+              <a:t>当人的年龄达到</a:t>
             </a:r>
             <a:r>
               <a:rPr lang="en-US" altLang="zh-CN" dirty="0">
@@ -7658,21 +7555,7 @@
                 <a:latin typeface="楷体" panose="02010609060101010101" pitchFamily="49" charset="-122"/>
                 <a:ea typeface="楷体" panose="02010609060101010101" pitchFamily="49" charset="-122"/>
               </a:rPr>
-              <a:t>个</a:t>
-            </a:r>
-            <a:r>
-              <a:rPr lang="zh-CN" b="1" dirty="0" smtClean="0">
-                <a:latin typeface="楷体" panose="02010609060101010101" pitchFamily="49" charset="-122"/>
-                <a:ea typeface="楷体" panose="02010609060101010101" pitchFamily="49" charset="-122"/>
-              </a:rPr>
-              <a:t>案例展开白盒测试实践，保险金案例和人寿保险金案例是两个相似的函数级别</a:t>
-            </a:r>
-            <a:r>
-              <a:rPr lang="zh-CN" b="1" dirty="0" smtClean="0">
-                <a:latin typeface="楷体" panose="02010609060101010101" pitchFamily="49" charset="-122"/>
-                <a:ea typeface="楷体" panose="02010609060101010101" pitchFamily="49" charset="-122"/>
-              </a:rPr>
-              <a:t>案例</a:t>
+              <a:t>个案例展开白盒测试实践，保险金案例和人寿保险金案例是两个相似的函数级别案例</a:t>
             </a:r>
             <a:endParaRPr lang="en-US" altLang="zh-CN" b="1" dirty="0" smtClean="0">
               <a:latin typeface="楷体" panose="02010609060101010101" pitchFamily="49" charset="-122"/>
@@ -7686,14 +7569,7 @@
                 <a:latin typeface="楷体" panose="02010609060101010101" pitchFamily="49" charset="-122"/>
                 <a:ea typeface="楷体" panose="02010609060101010101" pitchFamily="49" charset="-122"/>
               </a:rPr>
-              <a:t>观察</a:t>
-            </a:r>
-            <a:r>
-              <a:rPr lang="zh-CN" b="1" dirty="0" smtClean="0">
-                <a:latin typeface="楷体" panose="02010609060101010101" pitchFamily="49" charset="-122"/>
-                <a:ea typeface="楷体" panose="02010609060101010101" pitchFamily="49" charset="-122"/>
-              </a:rPr>
-              <a:t>代码规模和代码设计的质量对测试的难度和工作量造成的影响</a:t>
+              <a:t>观察代码规模和代码设计的质量对测试的难度和工作量造成的影响</a:t>
             </a:r>
             <a:endParaRPr lang="en-US" b="1" dirty="0" smtClean="0">
               <a:latin typeface="楷体" panose="02010609060101010101" pitchFamily="49" charset="-122"/>
@@ -8061,7 +7937,7 @@
         </p:blipFill>
         <p:spPr bwMode="auto">
           <a:xfrm>
-            <a:off x="5212803" y="69974"/>
+            <a:off x="5429250" y="61838"/>
             <a:ext cx="3714750" cy="6677025"/>
           </a:xfrm>
           <a:prstGeom prst="rect">
@@ -10729,60 +10605,7 @@
                   <a:schemeClr val="tx1"/>
                 </a:solidFill>
               </a:rPr>
-              <a:t>4a</a:t>
-            </a:r>
-            <a:endParaRPr lang="zh-CN" altLang="en-US" dirty="0">
-              <a:solidFill>
-                <a:schemeClr val="tx1"/>
-              </a:solidFill>
-            </a:endParaRPr>
-          </a:p>
-        </p:txBody>
-      </p:sp>
-      <p:sp>
-        <p:nvSpPr>
-          <p:cNvPr id="11" name="椭圆 10"/>
-          <p:cNvSpPr/>
-          <p:nvPr/>
-        </p:nvSpPr>
-        <p:spPr>
-          <a:xfrm>
-            <a:off x="2483769" y="1556792"/>
-            <a:ext cx="936104" cy="842789"/>
-          </a:xfrm>
-          <a:prstGeom prst="ellipse">
-            <a:avLst/>
-          </a:prstGeom>
-          <a:noFill/>
-        </p:spPr>
-        <p:style>
-          <a:lnRef idx="2">
-            <a:schemeClr val="accent1">
-              <a:shade val="50000"/>
-            </a:schemeClr>
-          </a:lnRef>
-          <a:fillRef idx="1">
-            <a:schemeClr val="accent1"/>
-          </a:fillRef>
-          <a:effectRef idx="0">
-            <a:schemeClr val="accent1"/>
-          </a:effectRef>
-          <a:fontRef idx="minor">
-            <a:schemeClr val="lt1"/>
-          </a:fontRef>
-        </p:style>
-        <p:txBody>
-          <a:bodyPr rtlCol="0" anchor="ctr"/>
-          <a:lstStyle/>
-          <a:p>
-            <a:pPr algn="ctr"/>
-            <a:r>
-              <a:rPr lang="en-US" altLang="zh-CN" dirty="0" smtClean="0">
-                <a:solidFill>
-                  <a:schemeClr val="tx1"/>
-                </a:solidFill>
-              </a:rPr>
-              <a:t>4b</a:t>
+              <a:t>4</a:t>
             </a:r>
             <a:endParaRPr lang="zh-CN" altLang="en-US" dirty="0">
               <a:solidFill>
@@ -11094,75 +10917,7 @@
       </p:cxnSp>
       <p:cxnSp>
         <p:nvCxnSpPr>
-          <p:cNvPr id="19" name="直接箭头连接符 18"/>
-          <p:cNvCxnSpPr>
-            <a:endCxn id="16" idx="6"/>
-          </p:cNvCxnSpPr>
-          <p:nvPr/>
-        </p:nvCxnSpPr>
-        <p:spPr>
-          <a:xfrm flipH="1">
-            <a:off x="1942220" y="2390950"/>
-            <a:ext cx="757572" cy="601238"/>
-          </a:xfrm>
-          <a:prstGeom prst="straightConnector1">
-            <a:avLst/>
-          </a:prstGeom>
-          <a:ln w="28575">
-            <a:tailEnd type="arrow"/>
-          </a:ln>
-        </p:spPr>
-        <p:style>
-          <a:lnRef idx="1">
-            <a:schemeClr val="accent1"/>
-          </a:lnRef>
-          <a:fillRef idx="0">
-            <a:schemeClr val="accent1"/>
-          </a:fillRef>
-          <a:effectRef idx="0">
-            <a:schemeClr val="accent1"/>
-          </a:effectRef>
-          <a:fontRef idx="minor">
-            <a:schemeClr val="tx1"/>
-          </a:fontRef>
-        </p:style>
-      </p:cxnSp>
-      <p:cxnSp>
-        <p:nvCxnSpPr>
           <p:cNvPr id="21" name="直接箭头连接符 20"/>
-          <p:cNvCxnSpPr/>
-          <p:nvPr/>
-        </p:nvCxnSpPr>
-        <p:spPr>
-          <a:xfrm>
-            <a:off x="2058647" y="1969556"/>
-            <a:ext cx="425121" cy="0"/>
-          </a:xfrm>
-          <a:prstGeom prst="straightConnector1">
-            <a:avLst/>
-          </a:prstGeom>
-          <a:ln w="28575">
-            <a:tailEnd type="arrow"/>
-          </a:ln>
-        </p:spPr>
-        <p:style>
-          <a:lnRef idx="1">
-            <a:schemeClr val="accent1"/>
-          </a:lnRef>
-          <a:fillRef idx="0">
-            <a:schemeClr val="accent1"/>
-          </a:fillRef>
-          <a:effectRef idx="0">
-            <a:schemeClr val="accent1"/>
-          </a:effectRef>
-          <a:fontRef idx="minor">
-            <a:schemeClr val="tx1"/>
-          </a:fontRef>
-        </p:style>
-      </p:cxnSp>
-      <p:cxnSp>
-        <p:nvCxnSpPr>
-          <p:cNvPr id="24" name="直接箭头连接符 23"/>
           <p:cNvCxnSpPr>
             <a:endCxn id="12" idx="2"/>
           </p:cNvCxnSpPr>
@@ -11170,8 +10925,8 @@
         </p:nvCxnSpPr>
         <p:spPr>
           <a:xfrm>
-            <a:off x="3419873" y="1969558"/>
-            <a:ext cx="338479" cy="80637"/>
+            <a:off x="2058647" y="1969556"/>
+            <a:ext cx="1699705" cy="80639"/>
           </a:xfrm>
           <a:prstGeom prst="straightConnector1">
             <a:avLst/>
